--- a/Lecture/Week07/Week08.pptx
+++ b/Lecture/Week07/Week08.pptx
@@ -253,7 +253,7 @@
           <a:p>
             <a:fld id="{4CFBB33C-050F-194E-9F71-A5A73BBD8CBC}" type="datetimeFigureOut">
               <a:rPr kumimoji="1" lang="zh-TW" altLang="en-US" smtClean="0"/>
-              <a:t>2020/4/22</a:t>
+              <a:t>2020/5/29</a:t>
             </a:fld>
             <a:endParaRPr kumimoji="1" lang="zh-TW" altLang="en-US"/>
           </a:p>
@@ -1705,7 +1705,7 @@
             <a:fld id="{9D21D778-B565-4D7E-94D7-64010A445B68}" type="datetimeFigureOut">
               <a:rPr lang="en-US" smtClean="0"/>
               <a:pPr eaLnBrk="1" latinLnBrk="0" hangingPunct="1"/>
-              <a:t>4/22/2020</a:t>
+              <a:t>5/29/2020</a:t>
             </a:fld>
             <a:endParaRPr lang="en-US"/>
           </a:p>
@@ -1873,7 +1873,7 @@
           <a:p>
             <a:fld id="{D728701E-CAF4-4159-9B3E-41C86DFFA30D}" type="datetimeFigureOut">
               <a:rPr lang="en-US" smtClean="0"/>
-              <a:t>4/22/2020</a:t>
+              <a:t>5/29/2020</a:t>
             </a:fld>
             <a:endParaRPr lang="en-US"/>
           </a:p>
@@ -2051,7 +2051,7 @@
           <a:p>
             <a:fld id="{D728701E-CAF4-4159-9B3E-41C86DFFA30D}" type="datetimeFigureOut">
               <a:rPr lang="en-US" smtClean="0"/>
-              <a:t>4/22/2020</a:t>
+              <a:t>5/29/2020</a:t>
             </a:fld>
             <a:endParaRPr lang="en-US"/>
           </a:p>
@@ -2234,7 +2234,7 @@
               <a:pPr>
                 <a:defRPr/>
               </a:pPr>
-              <a:t>4/22/2020</a:t>
+              <a:t>5/29/2020</a:t>
             </a:fld>
             <a:endParaRPr lang="en-US"/>
           </a:p>
@@ -2599,7 +2599,7 @@
             <a:fld id="{9D21D778-B565-4D7E-94D7-64010A445B68}" type="datetimeFigureOut">
               <a:rPr lang="en-US" smtClean="0"/>
               <a:pPr eaLnBrk="1" latinLnBrk="0" hangingPunct="1"/>
-              <a:t>4/22/2020</a:t>
+              <a:t>5/29/2020</a:t>
             </a:fld>
             <a:endParaRPr lang="en-US"/>
           </a:p>
@@ -2884,7 +2884,7 @@
           <a:p>
             <a:fld id="{D728701E-CAF4-4159-9B3E-41C86DFFA30D}" type="datetimeFigureOut">
               <a:rPr lang="en-US" smtClean="0"/>
-              <a:t>4/22/2020</a:t>
+              <a:t>5/29/2020</a:t>
             </a:fld>
             <a:endParaRPr lang="en-US"/>
           </a:p>
@@ -3303,7 +3303,7 @@
           <a:p>
             <a:fld id="{D728701E-CAF4-4159-9B3E-41C86DFFA30D}" type="datetimeFigureOut">
               <a:rPr lang="en-US" smtClean="0"/>
-              <a:t>4/22/2020</a:t>
+              <a:t>5/29/2020</a:t>
             </a:fld>
             <a:endParaRPr lang="en-US"/>
           </a:p>
@@ -3420,7 +3420,7 @@
           <a:p>
             <a:fld id="{D728701E-CAF4-4159-9B3E-41C86DFFA30D}" type="datetimeFigureOut">
               <a:rPr lang="en-US" smtClean="0"/>
-              <a:t>4/22/2020</a:t>
+              <a:t>5/29/2020</a:t>
             </a:fld>
             <a:endParaRPr lang="en-US"/>
           </a:p>
@@ -3515,7 +3515,7 @@
           <a:p>
             <a:fld id="{D728701E-CAF4-4159-9B3E-41C86DFFA30D}" type="datetimeFigureOut">
               <a:rPr lang="en-US" smtClean="0"/>
-              <a:t>4/22/2020</a:t>
+              <a:t>5/29/2020</a:t>
             </a:fld>
             <a:endParaRPr lang="en-US"/>
           </a:p>
@@ -3790,7 +3790,7 @@
           <a:p>
             <a:fld id="{D728701E-CAF4-4159-9B3E-41C86DFFA30D}" type="datetimeFigureOut">
               <a:rPr lang="en-US" smtClean="0"/>
-              <a:t>4/22/2020</a:t>
+              <a:t>5/29/2020</a:t>
             </a:fld>
             <a:endParaRPr lang="en-US"/>
           </a:p>
@@ -4042,7 +4042,7 @@
           <a:p>
             <a:fld id="{D728701E-CAF4-4159-9B3E-41C86DFFA30D}" type="datetimeFigureOut">
               <a:rPr lang="en-US" smtClean="0"/>
-              <a:t>4/22/2020</a:t>
+              <a:t>5/29/2020</a:t>
             </a:fld>
             <a:endParaRPr lang="en-US"/>
           </a:p>
@@ -4253,7 +4253,7 @@
           <a:p>
             <a:fld id="{D728701E-CAF4-4159-9B3E-41C86DFFA30D}" type="datetimeFigureOut">
               <a:rPr lang="en-US" smtClean="0"/>
-              <a:t>4/22/2020</a:t>
+              <a:t>5/29/2020</a:t>
             </a:fld>
             <a:endParaRPr lang="en-US"/>
           </a:p>
@@ -10149,7 +10149,11 @@
           <a:p>
             <a:pPr lvl="1"/>
             <a:r>
-              <a:rPr lang="en-US" altLang="zh-TW" dirty="0"/>
+              <a:rPr lang="en-US" altLang="zh-TW" dirty="0">
+                <a:solidFill>
+                  <a:srgbClr val="FF0000"/>
+                </a:solidFill>
+              </a:rPr>
               <a:t>A destructor must be public.</a:t>
             </a:r>
           </a:p>
